--- a/Projeto Automação Prototipo.pptx
+++ b/Projeto Automação Prototipo.pptx
@@ -6292,36 +6292,6 @@
           </a:p>
         </p:txBody>
       </p:sp>
-      <p:pic>
-        <p:nvPicPr>
-          <p:cNvPr id="3" name="Imagem 2"/>
-          <p:cNvPicPr>
-            <a:picLocks noChangeAspect="1"/>
-          </p:cNvPicPr>
-          <p:nvPr/>
-        </p:nvPicPr>
-        <p:blipFill>
-          <a:blip r:embed="rId2" cstate="print">
-            <a:extLst>
-              <a:ext uri="{28A0092B-C50C-407E-A947-70E740481C1C}">
-                <a14:useLocalDpi xmlns:a14="http://schemas.microsoft.com/office/drawing/2010/main" val="0"/>
-              </a:ext>
-            </a:extLst>
-          </a:blip>
-          <a:stretch>
-            <a:fillRect/>
-          </a:stretch>
-        </p:blipFill>
-        <p:spPr>
-          <a:xfrm>
-            <a:off x="10029369" y="466530"/>
-            <a:ext cx="1809031" cy="972255"/>
-          </a:xfrm>
-          <a:prstGeom prst="rect">
-            <a:avLst/>
-          </a:prstGeom>
-        </p:spPr>
-      </p:pic>
     </p:spTree>
     <p:extLst>
       <p:ext uri="{BB962C8B-B14F-4D97-AF65-F5344CB8AC3E}">
@@ -6938,7 +6908,7 @@
       </p:sp>
       <p:pic>
         <p:nvPicPr>
-          <p:cNvPr id="17" name="Imagem 16"/>
+          <p:cNvPr id="18" name="Imagem 17"/>
           <p:cNvPicPr>
             <a:picLocks noChangeAspect="1"/>
           </p:cNvPicPr>
@@ -6958,8 +6928,8 @@
         </p:blipFill>
         <p:spPr>
           <a:xfrm>
-            <a:off x="10029369" y="466530"/>
-            <a:ext cx="1809031" cy="972255"/>
+            <a:off x="10372716" y="193204"/>
+            <a:ext cx="1122336" cy="1220343"/>
           </a:xfrm>
           <a:prstGeom prst="rect">
             <a:avLst/>
@@ -7383,9 +7353,44 @@
           </a:p>
         </p:txBody>
       </p:sp>
+      <p:sp>
+        <p:nvSpPr>
+          <p:cNvPr id="12" name="CaixaDeTexto 11"/>
+          <p:cNvSpPr txBox="1"/>
+          <p:nvPr/>
+        </p:nvSpPr>
+        <p:spPr>
+          <a:xfrm>
+            <a:off x="1096193" y="1282707"/>
+            <a:ext cx="6017024" cy="830997"/>
+          </a:xfrm>
+          <a:prstGeom prst="rect">
+            <a:avLst/>
+          </a:prstGeom>
+          <a:noFill/>
+        </p:spPr>
+        <p:txBody>
+          <a:bodyPr wrap="square" rtlCol="0">
+            <a:spAutoFit/>
+          </a:bodyPr>
+          <a:lstStyle/>
+          <a:p>
+            <a:r>
+              <a:rPr lang="pt-BR" sz="2400" b="1" dirty="0" smtClean="0">
+                <a:solidFill>
+                  <a:schemeClr val="accent1">
+                    <a:lumMod val="50000"/>
+                  </a:schemeClr>
+                </a:solidFill>
+              </a:rPr>
+              <a:t>Seja Bem vindo ao Home 2 Home manutenção e automação Residencial.</a:t>
+            </a:r>
+          </a:p>
+        </p:txBody>
+      </p:sp>
       <p:pic>
         <p:nvPicPr>
-          <p:cNvPr id="11" name="Imagem 10"/>
+          <p:cNvPr id="13" name="Imagem 12"/>
           <p:cNvPicPr>
             <a:picLocks noChangeAspect="1"/>
           </p:cNvPicPr>
@@ -7405,49 +7410,14 @@
         </p:blipFill>
         <p:spPr>
           <a:xfrm>
-            <a:off x="10029369" y="466530"/>
-            <a:ext cx="1809031" cy="972255"/>
+            <a:off x="10372716" y="193204"/>
+            <a:ext cx="1122336" cy="1220343"/>
           </a:xfrm>
           <a:prstGeom prst="rect">
             <a:avLst/>
           </a:prstGeom>
         </p:spPr>
       </p:pic>
-      <p:sp>
-        <p:nvSpPr>
-          <p:cNvPr id="12" name="CaixaDeTexto 11"/>
-          <p:cNvSpPr txBox="1"/>
-          <p:nvPr/>
-        </p:nvSpPr>
-        <p:spPr>
-          <a:xfrm>
-            <a:off x="1096193" y="1282707"/>
-            <a:ext cx="6017024" cy="830997"/>
-          </a:xfrm>
-          <a:prstGeom prst="rect">
-            <a:avLst/>
-          </a:prstGeom>
-          <a:noFill/>
-        </p:spPr>
-        <p:txBody>
-          <a:bodyPr wrap="square" rtlCol="0">
-            <a:spAutoFit/>
-          </a:bodyPr>
-          <a:lstStyle/>
-          <a:p>
-            <a:r>
-              <a:rPr lang="pt-BR" sz="2400" b="1" dirty="0" smtClean="0">
-                <a:solidFill>
-                  <a:schemeClr val="accent1">
-                    <a:lumMod val="50000"/>
-                  </a:schemeClr>
-                </a:solidFill>
-              </a:rPr>
-              <a:t>Seja Bem vindo ao Home 2 Home manutenção e automação Residencial.</a:t>
-            </a:r>
-          </a:p>
-        </p:txBody>
-      </p:sp>
     </p:spTree>
     <p:extLst>
       <p:ext uri="{BB962C8B-B14F-4D97-AF65-F5344CB8AC3E}">
@@ -8286,7 +8256,7 @@
       </p:sp>
       <p:pic>
         <p:nvPicPr>
-          <p:cNvPr id="19" name="Imagem 18"/>
+          <p:cNvPr id="20" name="Imagem 19"/>
           <p:cNvPicPr>
             <a:picLocks noChangeAspect="1"/>
           </p:cNvPicPr>
@@ -8306,8 +8276,8 @@
         </p:blipFill>
         <p:spPr>
           <a:xfrm>
-            <a:off x="10029369" y="466530"/>
-            <a:ext cx="1809031" cy="972255"/>
+            <a:off x="10372716" y="193204"/>
+            <a:ext cx="1122336" cy="1220343"/>
           </a:xfrm>
           <a:prstGeom prst="rect">
             <a:avLst/>
@@ -8721,9 +8691,44 @@
           </a:p>
         </p:txBody>
       </p:sp>
+      <p:sp>
+        <p:nvSpPr>
+          <p:cNvPr id="13" name="CaixaDeTexto 12"/>
+          <p:cNvSpPr txBox="1"/>
+          <p:nvPr/>
+        </p:nvSpPr>
+        <p:spPr>
+          <a:xfrm>
+            <a:off x="1096193" y="1282707"/>
+            <a:ext cx="6017024" cy="830997"/>
+          </a:xfrm>
+          <a:prstGeom prst="rect">
+            <a:avLst/>
+          </a:prstGeom>
+          <a:noFill/>
+        </p:spPr>
+        <p:txBody>
+          <a:bodyPr wrap="square" rtlCol="0">
+            <a:spAutoFit/>
+          </a:bodyPr>
+          <a:lstStyle/>
+          <a:p>
+            <a:r>
+              <a:rPr lang="pt-BR" sz="2400" b="1" dirty="0" smtClean="0">
+                <a:solidFill>
+                  <a:schemeClr val="accent1">
+                    <a:lumMod val="50000"/>
+                  </a:schemeClr>
+                </a:solidFill>
+              </a:rPr>
+              <a:t>Seja Bem vindo ao Home 2 Home manutenção e automação Residencial.</a:t>
+            </a:r>
+          </a:p>
+        </p:txBody>
+      </p:sp>
       <p:pic>
         <p:nvPicPr>
-          <p:cNvPr id="12" name="Imagem 11"/>
+          <p:cNvPr id="14" name="Imagem 13"/>
           <p:cNvPicPr>
             <a:picLocks noChangeAspect="1"/>
           </p:cNvPicPr>
@@ -8743,49 +8748,14 @@
         </p:blipFill>
         <p:spPr>
           <a:xfrm>
-            <a:off x="10029369" y="466530"/>
-            <a:ext cx="1809031" cy="972255"/>
+            <a:off x="10372716" y="193204"/>
+            <a:ext cx="1122336" cy="1220343"/>
           </a:xfrm>
           <a:prstGeom prst="rect">
             <a:avLst/>
           </a:prstGeom>
         </p:spPr>
       </p:pic>
-      <p:sp>
-        <p:nvSpPr>
-          <p:cNvPr id="13" name="CaixaDeTexto 12"/>
-          <p:cNvSpPr txBox="1"/>
-          <p:nvPr/>
-        </p:nvSpPr>
-        <p:spPr>
-          <a:xfrm>
-            <a:off x="1096193" y="1282707"/>
-            <a:ext cx="6017024" cy="830997"/>
-          </a:xfrm>
-          <a:prstGeom prst="rect">
-            <a:avLst/>
-          </a:prstGeom>
-          <a:noFill/>
-        </p:spPr>
-        <p:txBody>
-          <a:bodyPr wrap="square" rtlCol="0">
-            <a:spAutoFit/>
-          </a:bodyPr>
-          <a:lstStyle/>
-          <a:p>
-            <a:r>
-              <a:rPr lang="pt-BR" sz="2400" b="1" dirty="0" smtClean="0">
-                <a:solidFill>
-                  <a:schemeClr val="accent1">
-                    <a:lumMod val="50000"/>
-                  </a:schemeClr>
-                </a:solidFill>
-              </a:rPr>
-              <a:t>Seja Bem vindo ao Home 2 Home manutenção e automação Residencial.</a:t>
-            </a:r>
-          </a:p>
-        </p:txBody>
-      </p:sp>
     </p:spTree>
     <p:extLst>
       <p:ext uri="{BB962C8B-B14F-4D97-AF65-F5344CB8AC3E}">
@@ -9645,7 +9615,7 @@
       </p:sp>
       <p:pic>
         <p:nvPicPr>
-          <p:cNvPr id="29" name="Imagem 28"/>
+          <p:cNvPr id="30" name="Imagem 29"/>
           <p:cNvPicPr>
             <a:picLocks noChangeAspect="1"/>
           </p:cNvPicPr>
@@ -9665,8 +9635,8 @@
         </p:blipFill>
         <p:spPr>
           <a:xfrm>
-            <a:off x="10029369" y="466530"/>
-            <a:ext cx="1809031" cy="972255"/>
+            <a:off x="10372716" y="193204"/>
+            <a:ext cx="1122336" cy="1220343"/>
           </a:xfrm>
           <a:prstGeom prst="rect">
             <a:avLst/>
@@ -10532,7 +10502,7 @@
       </p:sp>
       <p:pic>
         <p:nvPicPr>
-          <p:cNvPr id="29" name="Imagem 28"/>
+          <p:cNvPr id="30" name="Imagem 29"/>
           <p:cNvPicPr>
             <a:picLocks noChangeAspect="1"/>
           </p:cNvPicPr>
@@ -10552,8 +10522,8 @@
         </p:blipFill>
         <p:spPr>
           <a:xfrm>
-            <a:off x="10029369" y="466530"/>
-            <a:ext cx="1809031" cy="972255"/>
+            <a:off x="10372716" y="193204"/>
+            <a:ext cx="1122336" cy="1220343"/>
           </a:xfrm>
           <a:prstGeom prst="rect">
             <a:avLst/>
@@ -11419,7 +11389,7 @@
       </p:sp>
       <p:pic>
         <p:nvPicPr>
-          <p:cNvPr id="29" name="Imagem 28"/>
+          <p:cNvPr id="30" name="Imagem 29"/>
           <p:cNvPicPr>
             <a:picLocks noChangeAspect="1"/>
           </p:cNvPicPr>
@@ -11439,8 +11409,8 @@
         </p:blipFill>
         <p:spPr>
           <a:xfrm>
-            <a:off x="10029369" y="466530"/>
-            <a:ext cx="1809031" cy="972255"/>
+            <a:off x="10372716" y="193204"/>
+            <a:ext cx="1122336" cy="1220343"/>
           </a:xfrm>
           <a:prstGeom prst="rect">
             <a:avLst/>
@@ -12306,7 +12276,7 @@
       </p:sp>
       <p:pic>
         <p:nvPicPr>
-          <p:cNvPr id="29" name="Imagem 28"/>
+          <p:cNvPr id="30" name="Imagem 29"/>
           <p:cNvPicPr>
             <a:picLocks noChangeAspect="1"/>
           </p:cNvPicPr>
@@ -12326,8 +12296,8 @@
         </p:blipFill>
         <p:spPr>
           <a:xfrm>
-            <a:off x="10029369" y="466530"/>
-            <a:ext cx="1809031" cy="972255"/>
+            <a:off x="10372716" y="193204"/>
+            <a:ext cx="1122336" cy="1220343"/>
           </a:xfrm>
           <a:prstGeom prst="rect">
             <a:avLst/>
@@ -13193,7 +13163,7 @@
       </p:sp>
       <p:pic>
         <p:nvPicPr>
-          <p:cNvPr id="29" name="Imagem 28"/>
+          <p:cNvPr id="30" name="Imagem 29"/>
           <p:cNvPicPr>
             <a:picLocks noChangeAspect="1"/>
           </p:cNvPicPr>
@@ -13213,8 +13183,8 @@
         </p:blipFill>
         <p:spPr>
           <a:xfrm>
-            <a:off x="10029369" y="466530"/>
-            <a:ext cx="1809031" cy="972255"/>
+            <a:off x="10372716" y="193204"/>
+            <a:ext cx="1122336" cy="1220343"/>
           </a:xfrm>
           <a:prstGeom prst="rect">
             <a:avLst/>
@@ -14080,7 +14050,7 @@
       </p:sp>
       <p:pic>
         <p:nvPicPr>
-          <p:cNvPr id="29" name="Imagem 28"/>
+          <p:cNvPr id="30" name="Imagem 29"/>
           <p:cNvPicPr>
             <a:picLocks noChangeAspect="1"/>
           </p:cNvPicPr>
@@ -14100,8 +14070,8 @@
         </p:blipFill>
         <p:spPr>
           <a:xfrm>
-            <a:off x="10029369" y="466530"/>
-            <a:ext cx="1809031" cy="972255"/>
+            <a:off x="10372716" y="193204"/>
+            <a:ext cx="1122336" cy="1220343"/>
           </a:xfrm>
           <a:prstGeom prst="rect">
             <a:avLst/>
@@ -15061,36 +15031,6 @@
           </a:p>
         </p:txBody>
       </p:sp>
-      <p:pic>
-        <p:nvPicPr>
-          <p:cNvPr id="25" name="Imagem 24"/>
-          <p:cNvPicPr>
-            <a:picLocks noChangeAspect="1"/>
-          </p:cNvPicPr>
-          <p:nvPr/>
-        </p:nvPicPr>
-        <p:blipFill>
-          <a:blip r:embed="rId2" cstate="print">
-            <a:extLst>
-              <a:ext uri="{28A0092B-C50C-407E-A947-70E740481C1C}">
-                <a14:useLocalDpi xmlns:a14="http://schemas.microsoft.com/office/drawing/2010/main" val="0"/>
-              </a:ext>
-            </a:extLst>
-          </a:blip>
-          <a:stretch>
-            <a:fillRect/>
-          </a:stretch>
-        </p:blipFill>
-        <p:spPr>
-          <a:xfrm>
-            <a:off x="10029369" y="466530"/>
-            <a:ext cx="1809031" cy="972255"/>
-          </a:xfrm>
-          <a:prstGeom prst="rect">
-            <a:avLst/>
-          </a:prstGeom>
-        </p:spPr>
-      </p:pic>
     </p:spTree>
     <p:extLst>
       <p:ext uri="{BB962C8B-B14F-4D97-AF65-F5344CB8AC3E}">
@@ -15950,7 +15890,7 @@
       </p:sp>
       <p:pic>
         <p:nvPicPr>
-          <p:cNvPr id="29" name="Imagem 28"/>
+          <p:cNvPr id="30" name="Imagem 29"/>
           <p:cNvPicPr>
             <a:picLocks noChangeAspect="1"/>
           </p:cNvPicPr>
@@ -15970,8 +15910,8 @@
         </p:blipFill>
         <p:spPr>
           <a:xfrm>
-            <a:off x="10029369" y="466530"/>
-            <a:ext cx="1809031" cy="972255"/>
+            <a:off x="10372716" y="193204"/>
+            <a:ext cx="1122336" cy="1220343"/>
           </a:xfrm>
           <a:prstGeom prst="rect">
             <a:avLst/>
@@ -16837,7 +16777,7 @@
       </p:sp>
       <p:pic>
         <p:nvPicPr>
-          <p:cNvPr id="29" name="Imagem 28"/>
+          <p:cNvPr id="30" name="Imagem 29"/>
           <p:cNvPicPr>
             <a:picLocks noChangeAspect="1"/>
           </p:cNvPicPr>
@@ -16857,8 +16797,8 @@
         </p:blipFill>
         <p:spPr>
           <a:xfrm>
-            <a:off x="10029369" y="466530"/>
-            <a:ext cx="1809031" cy="972255"/>
+            <a:off x="10372716" y="193204"/>
+            <a:ext cx="1122336" cy="1220343"/>
           </a:xfrm>
           <a:prstGeom prst="rect">
             <a:avLst/>
@@ -17724,7 +17664,7 @@
       </p:sp>
       <p:pic>
         <p:nvPicPr>
-          <p:cNvPr id="29" name="Imagem 28"/>
+          <p:cNvPr id="30" name="Imagem 29"/>
           <p:cNvPicPr>
             <a:picLocks noChangeAspect="1"/>
           </p:cNvPicPr>
@@ -17744,8 +17684,8 @@
         </p:blipFill>
         <p:spPr>
           <a:xfrm>
-            <a:off x="10029369" y="466530"/>
-            <a:ext cx="1809031" cy="972255"/>
+            <a:off x="10372716" y="193204"/>
+            <a:ext cx="1122336" cy="1220343"/>
           </a:xfrm>
           <a:prstGeom prst="rect">
             <a:avLst/>
@@ -18611,7 +18551,7 @@
       </p:sp>
       <p:pic>
         <p:nvPicPr>
-          <p:cNvPr id="29" name="Imagem 28"/>
+          <p:cNvPr id="30" name="Imagem 29"/>
           <p:cNvPicPr>
             <a:picLocks noChangeAspect="1"/>
           </p:cNvPicPr>
@@ -18631,8 +18571,8 @@
         </p:blipFill>
         <p:spPr>
           <a:xfrm>
-            <a:off x="10029369" y="466530"/>
-            <a:ext cx="1809031" cy="972255"/>
+            <a:off x="10372716" y="193204"/>
+            <a:ext cx="1122336" cy="1220343"/>
           </a:xfrm>
           <a:prstGeom prst="rect">
             <a:avLst/>
@@ -19482,36 +19422,6 @@
           </a:p>
         </p:txBody>
       </p:sp>
-      <p:pic>
-        <p:nvPicPr>
-          <p:cNvPr id="23" name="Imagem 22"/>
-          <p:cNvPicPr>
-            <a:picLocks noChangeAspect="1"/>
-          </p:cNvPicPr>
-          <p:nvPr/>
-        </p:nvPicPr>
-        <p:blipFill>
-          <a:blip r:embed="rId2" cstate="print">
-            <a:extLst>
-              <a:ext uri="{28A0092B-C50C-407E-A947-70E740481C1C}">
-                <a14:useLocalDpi xmlns:a14="http://schemas.microsoft.com/office/drawing/2010/main" val="0"/>
-              </a:ext>
-            </a:extLst>
-          </a:blip>
-          <a:stretch>
-            <a:fillRect/>
-          </a:stretch>
-        </p:blipFill>
-        <p:spPr>
-          <a:xfrm>
-            <a:off x="10029369" y="466530"/>
-            <a:ext cx="1809031" cy="972255"/>
-          </a:xfrm>
-          <a:prstGeom prst="rect">
-            <a:avLst/>
-          </a:prstGeom>
-        </p:spPr>
-      </p:pic>
       <p:sp>
         <p:nvSpPr>
           <p:cNvPr id="3" name="Seta para a Direita 2"/>
@@ -20678,36 +20588,6 @@
           </a:p>
         </p:txBody>
       </p:sp>
-      <p:pic>
-        <p:nvPicPr>
-          <p:cNvPr id="26" name="Imagem 25"/>
-          <p:cNvPicPr>
-            <a:picLocks noChangeAspect="1"/>
-          </p:cNvPicPr>
-          <p:nvPr/>
-        </p:nvPicPr>
-        <p:blipFill>
-          <a:blip r:embed="rId2" cstate="print">
-            <a:extLst>
-              <a:ext uri="{28A0092B-C50C-407E-A947-70E740481C1C}">
-                <a14:useLocalDpi xmlns:a14="http://schemas.microsoft.com/office/drawing/2010/main" val="0"/>
-              </a:ext>
-            </a:extLst>
-          </a:blip>
-          <a:stretch>
-            <a:fillRect/>
-          </a:stretch>
-        </p:blipFill>
-        <p:spPr>
-          <a:xfrm>
-            <a:off x="10029369" y="466530"/>
-            <a:ext cx="1809031" cy="972255"/>
-          </a:xfrm>
-          <a:prstGeom prst="rect">
-            <a:avLst/>
-          </a:prstGeom>
-        </p:spPr>
-      </p:pic>
     </p:spTree>
     <p:extLst>
       <p:ext uri="{BB962C8B-B14F-4D97-AF65-F5344CB8AC3E}">
@@ -21662,36 +21542,6 @@
           </a:p>
         </p:txBody>
       </p:sp>
-      <p:pic>
-        <p:nvPicPr>
-          <p:cNvPr id="25" name="Imagem 24"/>
-          <p:cNvPicPr>
-            <a:picLocks noChangeAspect="1"/>
-          </p:cNvPicPr>
-          <p:nvPr/>
-        </p:nvPicPr>
-        <p:blipFill>
-          <a:blip r:embed="rId2" cstate="print">
-            <a:extLst>
-              <a:ext uri="{28A0092B-C50C-407E-A947-70E740481C1C}">
-                <a14:useLocalDpi xmlns:a14="http://schemas.microsoft.com/office/drawing/2010/main" val="0"/>
-              </a:ext>
-            </a:extLst>
-          </a:blip>
-          <a:stretch>
-            <a:fillRect/>
-          </a:stretch>
-        </p:blipFill>
-        <p:spPr>
-          <a:xfrm>
-            <a:off x="10029369" y="466530"/>
-            <a:ext cx="1809031" cy="972255"/>
-          </a:xfrm>
-          <a:prstGeom prst="rect">
-            <a:avLst/>
-          </a:prstGeom>
-        </p:spPr>
-      </p:pic>
     </p:spTree>
     <p:extLst>
       <p:ext uri="{BB962C8B-B14F-4D97-AF65-F5344CB8AC3E}">
@@ -22760,7 +22610,7 @@
       </p:sp>
       <p:pic>
         <p:nvPicPr>
-          <p:cNvPr id="26" name="Imagem 25"/>
+          <p:cNvPr id="28" name="Imagem 27"/>
           <p:cNvPicPr>
             <a:picLocks noChangeAspect="1"/>
           </p:cNvPicPr>
@@ -22780,8 +22630,8 @@
         </p:blipFill>
         <p:spPr>
           <a:xfrm>
-            <a:off x="10029369" y="466530"/>
-            <a:ext cx="1809031" cy="972255"/>
+            <a:off x="10372716" y="193204"/>
+            <a:ext cx="1122336" cy="1220343"/>
           </a:xfrm>
           <a:prstGeom prst="rect">
             <a:avLst/>
@@ -23262,7 +23112,7 @@
       </p:sp>
       <p:pic>
         <p:nvPicPr>
-          <p:cNvPr id="12" name="Imagem 11"/>
+          <p:cNvPr id="13" name="Imagem 12"/>
           <p:cNvPicPr>
             <a:picLocks noChangeAspect="1"/>
           </p:cNvPicPr>
@@ -23282,8 +23132,8 @@
         </p:blipFill>
         <p:spPr>
           <a:xfrm>
-            <a:off x="10029369" y="466530"/>
-            <a:ext cx="1809031" cy="972255"/>
+            <a:off x="10372716" y="193204"/>
+            <a:ext cx="1122336" cy="1220343"/>
           </a:xfrm>
           <a:prstGeom prst="rect">
             <a:avLst/>
@@ -23884,7 +23734,7 @@
       </p:sp>
       <p:pic>
         <p:nvPicPr>
-          <p:cNvPr id="15" name="Imagem 14"/>
+          <p:cNvPr id="16" name="Imagem 15"/>
           <p:cNvPicPr>
             <a:picLocks noChangeAspect="1"/>
           </p:cNvPicPr>
@@ -23904,8 +23754,8 @@
         </p:blipFill>
         <p:spPr>
           <a:xfrm>
-            <a:off x="10029369" y="466530"/>
-            <a:ext cx="1809031" cy="972255"/>
+            <a:off x="10372716" y="193204"/>
+            <a:ext cx="1122336" cy="1220343"/>
           </a:xfrm>
           <a:prstGeom prst="rect">
             <a:avLst/>
@@ -24375,7 +24225,7 @@
       </p:sp>
       <p:pic>
         <p:nvPicPr>
-          <p:cNvPr id="12" name="Imagem 11"/>
+          <p:cNvPr id="5" name="Imagem 4"/>
           <p:cNvPicPr>
             <a:picLocks noChangeAspect="1"/>
           </p:cNvPicPr>
@@ -24395,8 +24245,8 @@
         </p:blipFill>
         <p:spPr>
           <a:xfrm>
-            <a:off x="10029369" y="466530"/>
-            <a:ext cx="1809031" cy="972255"/>
+            <a:off x="10372716" y="193204"/>
+            <a:ext cx="1122336" cy="1220343"/>
           </a:xfrm>
           <a:prstGeom prst="rect">
             <a:avLst/>
